--- a/db.pptx
+++ b/db.pptx
@@ -104,6 +104,11 @@
       </a:defRPr>
     </a:lvl9pPr>
   </p:defaultTextStyle>
+  <p:extLst>
+    <p:ext uri="{EFAFB233-063F-42B5-8137-9DF3F51BA10A}">
+      <p15:sldGuideLst xmlns:p15="http://schemas.microsoft.com/office/powerpoint/2012/main"/>
+    </p:ext>
+  </p:extLst>
 </p:presentation>
 </file>
 
@@ -112,12 +117,12 @@
   <pc:docChgLst>
     <pc:chgData name="Tanvi Saini" userId="bb116355357316df" providerId="LiveId" clId="{2A68EE98-BBA5-4AA8-9CBD-3F85194D4FDB}"/>
     <pc:docChg chg="custSel addSld modSld">
-      <pc:chgData name="Tanvi Saini" userId="bb116355357316df" providerId="LiveId" clId="{2A68EE98-BBA5-4AA8-9CBD-3F85194D4FDB}" dt="2022-06-29T14:35:26.209" v="29" actId="20577"/>
+      <pc:chgData name="Tanvi Saini" userId="bb116355357316df" providerId="LiveId" clId="{2A68EE98-BBA5-4AA8-9CBD-3F85194D4FDB}" dt="2022-07-07T20:06:50.066" v="43" actId="20577"/>
       <pc:docMkLst>
         <pc:docMk/>
       </pc:docMkLst>
       <pc:sldChg chg="modSp new mod">
-        <pc:chgData name="Tanvi Saini" userId="bb116355357316df" providerId="LiveId" clId="{2A68EE98-BBA5-4AA8-9CBD-3F85194D4FDB}" dt="2022-06-29T14:35:26.209" v="29" actId="20577"/>
+        <pc:chgData name="Tanvi Saini" userId="bb116355357316df" providerId="LiveId" clId="{2A68EE98-BBA5-4AA8-9CBD-3F85194D4FDB}" dt="2022-07-07T20:06:50.066" v="43" actId="20577"/>
         <pc:sldMkLst>
           <pc:docMk/>
           <pc:sldMk cId="52441177" sldId="256"/>
@@ -128,6 +133,14 @@
             <pc:docMk/>
             <pc:sldMk cId="52441177" sldId="256"/>
             <ac:spMk id="2" creationId="{8238778B-675C-AA44-E5EA-ACD86882BE6A}"/>
+          </ac:spMkLst>
+        </pc:spChg>
+        <pc:spChg chg="mod">
+          <ac:chgData name="Tanvi Saini" userId="bb116355357316df" providerId="LiveId" clId="{2A68EE98-BBA5-4AA8-9CBD-3F85194D4FDB}" dt="2022-07-07T20:06:50.066" v="43" actId="20577"/>
+          <ac:spMkLst>
+            <pc:docMk/>
+            <pc:sldMk cId="52441177" sldId="256"/>
+            <ac:spMk id="3" creationId="{5268CCA2-6D09-F352-4F84-7242D0DABF1B}"/>
           </ac:spMkLst>
         </pc:spChg>
       </pc:sldChg>
@@ -285,7 +298,7 @@
           <a:p>
             <a:fld id="{0A3580FE-0C76-428A-8898-F0F2A9DE268A}" type="datetimeFigureOut">
               <a:rPr lang="en-IN" smtClean="0"/>
-              <a:t>29-06-2022</a:t>
+              <a:t>08-07-2022</a:t>
             </a:fld>
             <a:endParaRPr lang="en-IN"/>
           </a:p>
@@ -485,7 +498,7 @@
           <a:p>
             <a:fld id="{0A3580FE-0C76-428A-8898-F0F2A9DE268A}" type="datetimeFigureOut">
               <a:rPr lang="en-IN" smtClean="0"/>
-              <a:t>29-06-2022</a:t>
+              <a:t>08-07-2022</a:t>
             </a:fld>
             <a:endParaRPr lang="en-IN"/>
           </a:p>
@@ -695,7 +708,7 @@
           <a:p>
             <a:fld id="{0A3580FE-0C76-428A-8898-F0F2A9DE268A}" type="datetimeFigureOut">
               <a:rPr lang="en-IN" smtClean="0"/>
-              <a:t>29-06-2022</a:t>
+              <a:t>08-07-2022</a:t>
             </a:fld>
             <a:endParaRPr lang="en-IN"/>
           </a:p>
@@ -895,7 +908,7 @@
           <a:p>
             <a:fld id="{0A3580FE-0C76-428A-8898-F0F2A9DE268A}" type="datetimeFigureOut">
               <a:rPr lang="en-IN" smtClean="0"/>
-              <a:t>29-06-2022</a:t>
+              <a:t>08-07-2022</a:t>
             </a:fld>
             <a:endParaRPr lang="en-IN"/>
           </a:p>
@@ -1171,7 +1184,7 @@
           <a:p>
             <a:fld id="{0A3580FE-0C76-428A-8898-F0F2A9DE268A}" type="datetimeFigureOut">
               <a:rPr lang="en-IN" smtClean="0"/>
-              <a:t>29-06-2022</a:t>
+              <a:t>08-07-2022</a:t>
             </a:fld>
             <a:endParaRPr lang="en-IN"/>
           </a:p>
@@ -1439,7 +1452,7 @@
           <a:p>
             <a:fld id="{0A3580FE-0C76-428A-8898-F0F2A9DE268A}" type="datetimeFigureOut">
               <a:rPr lang="en-IN" smtClean="0"/>
-              <a:t>29-06-2022</a:t>
+              <a:t>08-07-2022</a:t>
             </a:fld>
             <a:endParaRPr lang="en-IN"/>
           </a:p>
@@ -1854,7 +1867,7 @@
           <a:p>
             <a:fld id="{0A3580FE-0C76-428A-8898-F0F2A9DE268A}" type="datetimeFigureOut">
               <a:rPr lang="en-IN" smtClean="0"/>
-              <a:t>29-06-2022</a:t>
+              <a:t>08-07-2022</a:t>
             </a:fld>
             <a:endParaRPr lang="en-IN"/>
           </a:p>
@@ -1996,7 +2009,7 @@
           <a:p>
             <a:fld id="{0A3580FE-0C76-428A-8898-F0F2A9DE268A}" type="datetimeFigureOut">
               <a:rPr lang="en-IN" smtClean="0"/>
-              <a:t>29-06-2022</a:t>
+              <a:t>08-07-2022</a:t>
             </a:fld>
             <a:endParaRPr lang="en-IN"/>
           </a:p>
@@ -2109,7 +2122,7 @@
           <a:p>
             <a:fld id="{0A3580FE-0C76-428A-8898-F0F2A9DE268A}" type="datetimeFigureOut">
               <a:rPr lang="en-IN" smtClean="0"/>
-              <a:t>29-06-2022</a:t>
+              <a:t>08-07-2022</a:t>
             </a:fld>
             <a:endParaRPr lang="en-IN"/>
           </a:p>
@@ -2422,7 +2435,7 @@
           <a:p>
             <a:fld id="{0A3580FE-0C76-428A-8898-F0F2A9DE268A}" type="datetimeFigureOut">
               <a:rPr lang="en-IN" smtClean="0"/>
-              <a:t>29-06-2022</a:t>
+              <a:t>08-07-2022</a:t>
             </a:fld>
             <a:endParaRPr lang="en-IN"/>
           </a:p>
@@ -2711,7 +2724,7 @@
           <a:p>
             <a:fld id="{0A3580FE-0C76-428A-8898-F0F2A9DE268A}" type="datetimeFigureOut">
               <a:rPr lang="en-IN" smtClean="0"/>
-              <a:t>29-06-2022</a:t>
+              <a:t>08-07-2022</a:t>
             </a:fld>
             <a:endParaRPr lang="en-IN"/>
           </a:p>
@@ -2954,7 +2967,7 @@
           <a:p>
             <a:fld id="{0A3580FE-0C76-428A-8898-F0F2A9DE268A}" type="datetimeFigureOut">
               <a:rPr lang="en-IN" smtClean="0"/>
-              <a:t>29-06-2022</a:t>
+              <a:t>08-07-2022</a:t>
             </a:fld>
             <a:endParaRPr lang="en-IN"/>
           </a:p>
@@ -3436,7 +3449,10 @@
           <a:bodyPr/>
           <a:lstStyle/>
           <a:p>
-            <a:endParaRPr lang="en-IN"/>
+            <a:r>
+              <a:rPr lang="en-IN"/>
+              <a:t>This is added</a:t>
+            </a:r>
           </a:p>
         </p:txBody>
       </p:sp>
